--- a/teaching/cs513-autocps-fall-2020/lecture12-communication-and-security.pptx
+++ b/teaching/cs513-autocps-fall-2020/lecture12-communication-and-security.pptx
@@ -19351,7 +19351,7 @@
           <a:p>
             <a:r>
               <a:rPr lang="en-US" dirty="0"/>
-              <a:t>Several Technical conditions for linear systems that characterize when such observers can be constructed, how many sensors can be attacked but the system withstands the attacks, etc.</a:t>
+              <a:t>Several technical conditions for linear systems that characterize when such observers can be constructed, how many sensors can be attacked but the system withstands the attacks, etc.</a:t>
             </a:r>
           </a:p>
           <a:p>
@@ -29116,7 +29116,7 @@
                               <a:rPr lang="en-US" b="0" i="1" smtClean="0">
                                 <a:latin typeface="Cambria Math" panose="02040503050406030204" pitchFamily="18" charset="0"/>
                               </a:rPr>
-                              <m:t>6</m:t>
+                              <m:t>5</m:t>
                             </m:r>
                           </m:sub>
                         </m:sSub>
